--- a/MGT5824-Tech-based Entrepreneurship/Assignments/Milestone #1 - AI Venture Concept Customer Discovery/gasser18-milestone1_customer_discovery_slides.pptx
+++ b/MGT5824-Tech-based Entrepreneurship/Assignments/Milestone #1 - AI Venture Concept Customer Discovery/gasser18-milestone1_customer_discovery_slides.pptx
@@ -40,21 +40,21 @@
       <p:boldItalic r:id="rId23"/>
     </p:embeddedFont>
     <p:embeddedFont>
-      <p:font typeface="Poppins SemiBold" panose="00000700000000000000" pitchFamily="2" charset="0"/>
+      <p:font typeface="Poppins SemiBold" panose="020B0604020202020204" pitchFamily="34" charset="0"/>
       <p:regular r:id="rId24"/>
       <p:bold r:id="rId25"/>
       <p:italic r:id="rId26"/>
       <p:boldItalic r:id="rId27"/>
     </p:embeddedFont>
     <p:embeddedFont>
-      <p:font typeface="PT Sans" panose="020B0503020203020204" pitchFamily="34" charset="0"/>
+      <p:font typeface="PT Sans" panose="020B0503020203020204" pitchFamily="34" charset="77"/>
       <p:regular r:id="rId28"/>
       <p:bold r:id="rId29"/>
       <p:italic r:id="rId30"/>
       <p:boldItalic r:id="rId31"/>
     </p:embeddedFont>
     <p:embeddedFont>
-      <p:font typeface="Roboto Condensed Light" panose="02000000000000000000" pitchFamily="2" charset="0"/>
+      <p:font typeface="Roboto Condensed Light" panose="020F0302020204030204" pitchFamily="34" charset="0"/>
       <p:regular r:id="rId32"/>
       <p:italic r:id="rId33"/>
     </p:embeddedFont>
@@ -1278,6 +1278,183 @@
           </a:bodyPr>
           <a:lstStyle/>
           <a:p>
+            <a:pPr marL="158750" indent="0" algn="l">
+              <a:buNone/>
+            </a:pPr>
+            <a:r>
+              <a:rPr lang="en-US" sz="3200" b="0" i="0" dirty="0">
+                <a:solidFill>
+                  <a:srgbClr val="222222"/>
+                </a:solidFill>
+                <a:effectLst/>
+                <a:latin typeface="+mj-lt"/>
+              </a:rPr>
+              <a:t>Tasks:</a:t>
+            </a:r>
+          </a:p>
+          <a:p>
+            <a:pPr marL="673100" indent="-514350" algn="l">
+              <a:buFont typeface="+mj-lt"/>
+              <a:buAutoNum type="arabicPeriod"/>
+            </a:pPr>
+            <a:r>
+              <a:rPr lang="en-US" sz="3200" b="0" i="0" dirty="0">
+                <a:solidFill>
+                  <a:srgbClr val="222222"/>
+                </a:solidFill>
+                <a:effectLst/>
+                <a:latin typeface="+mj-lt"/>
+              </a:rPr>
+              <a:t>Analyze existing academic and industry reports to gather preliminary information. </a:t>
+            </a:r>
+          </a:p>
+          <a:p>
+            <a:pPr marL="673100" indent="-514350" algn="l">
+              <a:buFont typeface="+mj-lt"/>
+              <a:buAutoNum type="arabicPeriod"/>
+            </a:pPr>
+            <a:r>
+              <a:rPr lang="en-US" sz="3200" b="0" i="0" dirty="0">
+                <a:solidFill>
+                  <a:srgbClr val="222222"/>
+                </a:solidFill>
+                <a:effectLst/>
+                <a:latin typeface="+mj-lt"/>
+              </a:rPr>
+              <a:t>Perform a ‘secondary’ market analysis to identify target customer segments such as students, professionals, educators, entrepreneurs, etc.</a:t>
+            </a:r>
+          </a:p>
+          <a:p>
+            <a:pPr marL="673100" indent="-514350" algn="l">
+              <a:buFont typeface="+mj-lt"/>
+              <a:buAutoNum type="arabicPeriod"/>
+            </a:pPr>
+            <a:r>
+              <a:rPr lang="en-US" sz="3200" b="0" i="0" dirty="0">
+                <a:solidFill>
+                  <a:srgbClr val="222222"/>
+                </a:solidFill>
+                <a:effectLst/>
+                <a:latin typeface="+mj-lt"/>
+              </a:rPr>
+              <a:t>Define the criteria for choosing the ideal target customer segment, considering aspects such as market size, potential growth, competition, accessibility, etc.</a:t>
+            </a:r>
+          </a:p>
+          <a:p>
+            <a:pPr marL="673100" indent="-514350" algn="l">
+              <a:buFont typeface="+mj-lt"/>
+              <a:buAutoNum type="arabicPeriod"/>
+            </a:pPr>
+            <a:r>
+              <a:rPr lang="en-US" sz="3200" b="0" i="0" dirty="0">
+                <a:solidFill>
+                  <a:srgbClr val="222222"/>
+                </a:solidFill>
+                <a:effectLst/>
+                <a:latin typeface="+mj-lt"/>
+              </a:rPr>
+              <a:t>Evaluate each segment based on the defined criteria.</a:t>
+            </a:r>
+          </a:p>
+          <a:p>
+            <a:pPr marL="673100" indent="-514350" algn="l">
+              <a:buFont typeface="+mj-lt"/>
+              <a:buAutoNum type="arabicPeriod"/>
+            </a:pPr>
+            <a:r>
+              <a:rPr lang="en-US" sz="3200" b="0" i="0" dirty="0">
+                <a:solidFill>
+                  <a:srgbClr val="222222"/>
+                </a:solidFill>
+                <a:effectLst/>
+                <a:latin typeface="+mj-lt"/>
+              </a:rPr>
+              <a:t>Select the most suitable segment as the target customer segment.</a:t>
+            </a:r>
+          </a:p>
+          <a:p>
+            <a:pPr algn="l"/>
+            <a:endParaRPr lang="en-US" sz="3200" b="0" i="0" dirty="0">
+              <a:solidFill>
+                <a:srgbClr val="222222"/>
+              </a:solidFill>
+              <a:effectLst/>
+              <a:latin typeface="+mj-lt"/>
+            </a:endParaRPr>
+          </a:p>
+          <a:p>
+            <a:pPr marL="158750" indent="0" algn="l">
+              <a:buNone/>
+            </a:pPr>
+            <a:r>
+              <a:rPr lang="en-US" sz="3200" b="0" i="0" dirty="0">
+                <a:solidFill>
+                  <a:srgbClr val="222222"/>
+                </a:solidFill>
+                <a:effectLst/>
+                <a:latin typeface="+mj-lt"/>
+              </a:rPr>
+              <a:t>Rubric:</a:t>
+            </a:r>
+          </a:p>
+          <a:p>
+            <a:pPr marL="158750" indent="0" algn="l">
+              <a:buNone/>
+            </a:pPr>
+            <a:r>
+              <a:rPr lang="en-US" sz="4800" b="0" i="0" dirty="0">
+                <a:solidFill>
+                  <a:srgbClr val="222222"/>
+                </a:solidFill>
+                <a:effectLst/>
+                <a:latin typeface="+mj-lt"/>
+              </a:rPr>
+              <a:t>1. Quality of secondary market analysis and academic or industry report review (10 points)</a:t>
+            </a:r>
+          </a:p>
+          <a:p>
+            <a:pPr marL="158750" indent="0" algn="l">
+              <a:buNone/>
+            </a:pPr>
+            <a:r>
+              <a:rPr lang="en-US" sz="4800" b="0" i="0" dirty="0">
+                <a:solidFill>
+                  <a:srgbClr val="222222"/>
+                </a:solidFill>
+                <a:effectLst/>
+                <a:latin typeface="+mj-lt"/>
+              </a:rPr>
+              <a:t>2. Appropriateness of the criteria used for choosing the target customer segment (10 points)</a:t>
+            </a:r>
+          </a:p>
+          <a:p>
+            <a:pPr marL="158750" indent="0" algn="l">
+              <a:buNone/>
+            </a:pPr>
+            <a:r>
+              <a:rPr lang="en-US" sz="4800" b="0" i="0" dirty="0">
+                <a:solidFill>
+                  <a:srgbClr val="222222"/>
+                </a:solidFill>
+                <a:effectLst/>
+                <a:latin typeface="+mj-lt"/>
+              </a:rPr>
+              <a:t>3. Justification for selection of the most suitable customer segment (10 points)</a:t>
+            </a:r>
+          </a:p>
+          <a:p>
+            <a:pPr marL="158750" indent="0" algn="l">
+              <a:buNone/>
+            </a:pPr>
+            <a:endParaRPr lang="en-US" sz="3200" b="0" i="0" dirty="0">
+              <a:solidFill>
+                <a:srgbClr val="222222"/>
+              </a:solidFill>
+              <a:effectLst/>
+              <a:latin typeface="+mj-lt"/>
+            </a:endParaRPr>
+          </a:p>
+          <a:p>
             <a:pPr marL="0" marR="0" lvl="0" indent="0" algn="l" defTabSz="914400" rtl="0" eaLnBrk="1" fontAlgn="auto" latinLnBrk="0" hangingPunct="1">
               <a:lnSpc>
                 <a:spcPct val="100000"/>
@@ -1299,7 +1476,7 @@
             </a:pPr>
             <a:endParaRPr lang="en-US" sz="1800" kern="0" dirty="0">
               <a:effectLst/>
-              <a:latin typeface="Times New Roman" panose="02020603050405020304" pitchFamily="18" charset="0"/>
+              <a:latin typeface="+mj-lt"/>
               <a:ea typeface="Times New Roman" panose="02020603050405020304" pitchFamily="18" charset="0"/>
               <a:cs typeface="Arial" panose="020B0604020202020204" pitchFamily="34" charset="0"/>
             </a:endParaRPr>
@@ -1402,6 +1579,93 @@
           </a:bodyPr>
           <a:lstStyle/>
           <a:p>
+            <a:pPr marL="158750" indent="0" algn="l">
+              <a:buNone/>
+            </a:pPr>
+            <a:r>
+              <a:rPr lang="en-US" sz="3200" b="0" i="0" dirty="0">
+                <a:solidFill>
+                  <a:srgbClr val="222222"/>
+                </a:solidFill>
+                <a:effectLst/>
+                <a:latin typeface="+mj-lt"/>
+              </a:rPr>
+              <a:t>Tasks:</a:t>
+            </a:r>
+          </a:p>
+          <a:p>
+            <a:pPr algn="l"/>
+            <a:r>
+              <a:rPr lang="en-US" sz="3200" b="0" i="0" dirty="0">
+                <a:solidFill>
+                  <a:srgbClr val="222222"/>
+                </a:solidFill>
+                <a:effectLst/>
+                <a:latin typeface="+mj-lt"/>
+              </a:rPr>
+              <a:t>1. Develop a primary data strategy: To build the primary dataset you have three options — you only need to pick </a:t>
+            </a:r>
+            <a:r>
+              <a:rPr lang="en-US" sz="3200" b="0" i="0" u="sng" dirty="0">
+                <a:solidFill>
+                  <a:srgbClr val="222222"/>
+                </a:solidFill>
+                <a:effectLst/>
+                <a:latin typeface="+mj-lt"/>
+              </a:rPr>
+              <a:t>one</a:t>
+            </a:r>
+            <a:r>
+              <a:rPr lang="en-US" sz="3200" b="0" i="0" dirty="0">
+                <a:solidFill>
+                  <a:srgbClr val="222222"/>
+                </a:solidFill>
+                <a:effectLst/>
+                <a:latin typeface="+mj-lt"/>
+              </a:rPr>
+              <a:t>: </a:t>
+            </a:r>
+          </a:p>
+          <a:p>
+            <a:pPr algn="l"/>
+            <a:r>
+              <a:rPr lang="en-US" sz="3200" b="0" i="0" dirty="0">
+                <a:solidFill>
+                  <a:srgbClr val="222222"/>
+                </a:solidFill>
+                <a:effectLst/>
+                <a:latin typeface="+mj-lt"/>
+              </a:rPr>
+              <a:t>A) customer interviews using semi-structured interviews comprised of questions aimed at uncovering the challenges and needs within the target customer segment. Target: Minimum of 6 interviews. </a:t>
+            </a:r>
+          </a:p>
+          <a:p>
+            <a:pPr algn="l"/>
+            <a:r>
+              <a:rPr lang="en-US" sz="3200" b="0" i="0" dirty="0">
+                <a:solidFill>
+                  <a:srgbClr val="222222"/>
+                </a:solidFill>
+                <a:effectLst/>
+                <a:latin typeface="+mj-lt"/>
+              </a:rPr>
+              <a:t>B) target segment survey comprised of questions aimed at uncovering the challenges and needs within the target customer segment. Target: Minimum of 30 survey responses. </a:t>
+            </a:r>
+          </a:p>
+          <a:p>
+            <a:pPr algn="l"/>
+            <a:r>
+              <a:rPr lang="en-US" sz="3200" b="0" i="0" dirty="0">
+                <a:solidFill>
+                  <a:srgbClr val="222222"/>
+                </a:solidFill>
+                <a:effectLst/>
+                <a:latin typeface="+mj-lt"/>
+              </a:rPr>
+              <a:t>C) Natural language processing using AI tools such as sentiment analysis, latent Dirichlet allocation or other topic modeling tools. To build your dataset, you are welcome to use web scraping tools or find a dataset online with data from your customer segment. Target: Minimum is contingent upon particular analytics strategy. If you would to work on this method, please touch base with Dr. T. to discuss your plan in more detail. </a:t>
+            </a:r>
+          </a:p>
+          <a:p>
             <a:pPr marL="0" marR="0" lvl="0" indent="0" algn="l" defTabSz="914400" rtl="0" eaLnBrk="1" fontAlgn="auto" latinLnBrk="0" hangingPunct="1">
               <a:lnSpc>
                 <a:spcPct val="100000"/>
@@ -1423,7 +1687,103 @@
             </a:pPr>
             <a:endParaRPr lang="en-US" sz="1800" kern="0" dirty="0">
               <a:effectLst/>
-              <a:latin typeface="Times New Roman" panose="02020603050405020304" pitchFamily="18" charset="0"/>
+              <a:latin typeface="+mj-lt"/>
+              <a:ea typeface="Times New Roman" panose="02020603050405020304" pitchFamily="18" charset="0"/>
+              <a:cs typeface="Arial" panose="020B0604020202020204" pitchFamily="34" charset="0"/>
+            </a:endParaRPr>
+          </a:p>
+          <a:p>
+            <a:pPr marL="0" marR="0" lvl="0" indent="0" algn="l" defTabSz="914400" rtl="0" eaLnBrk="1" fontAlgn="auto" latinLnBrk="0" hangingPunct="1">
+              <a:lnSpc>
+                <a:spcPct val="100000"/>
+              </a:lnSpc>
+              <a:spcBef>
+                <a:spcPts val="0"/>
+              </a:spcBef>
+              <a:spcAft>
+                <a:spcPts val="0"/>
+              </a:spcAft>
+              <a:buClr>
+                <a:srgbClr val="000000"/>
+              </a:buClr>
+              <a:buSzPts val="1100"/>
+              <a:buFont typeface="Arial"/>
+              <a:buNone/>
+              <a:tabLst/>
+              <a:defRPr/>
+            </a:pPr>
+            <a:r>
+              <a:rPr lang="en-US" sz="1800" kern="0" dirty="0">
+                <a:effectLst/>
+                <a:latin typeface="+mj-lt"/>
+                <a:ea typeface="Times New Roman" panose="02020603050405020304" pitchFamily="18" charset="0"/>
+                <a:cs typeface="Arial" panose="020B0604020202020204" pitchFamily="34" charset="0"/>
+              </a:rPr>
+              <a:t>Rubric</a:t>
+            </a:r>
+          </a:p>
+          <a:p>
+            <a:pPr algn="l"/>
+            <a:r>
+              <a:rPr lang="en-US" sz="3200" b="0" i="0" dirty="0">
+                <a:solidFill>
+                  <a:srgbClr val="222222"/>
+                </a:solidFill>
+                <a:effectLst/>
+                <a:latin typeface="+mj-lt"/>
+              </a:rPr>
+              <a:t>1. Quality and effectiveness of the chosen primary data strategy (10 points)</a:t>
+            </a:r>
+          </a:p>
+          <a:p>
+            <a:pPr algn="l"/>
+            <a:r>
+              <a:rPr lang="en-US" sz="3200" b="0" i="0" dirty="0">
+                <a:solidFill>
+                  <a:srgbClr val="222222"/>
+                </a:solidFill>
+                <a:effectLst/>
+                <a:latin typeface="+mj-lt"/>
+              </a:rPr>
+              <a:t>2. Implementation of the chosen strategy - quality of interviews, surveys, or NLP strategy and data collected (10 points)</a:t>
+            </a:r>
+          </a:p>
+          <a:p>
+            <a:pPr algn="l"/>
+            <a:r>
+              <a:rPr lang="en-US" sz="3200" b="0" i="0" dirty="0">
+                <a:solidFill>
+                  <a:srgbClr val="222222"/>
+                </a:solidFill>
+                <a:effectLst/>
+                <a:latin typeface="+mj-lt"/>
+              </a:rPr>
+              <a:t>3. Thoroughness in identifying key customer problems based on primary data collected (10 points)</a:t>
+            </a:r>
+          </a:p>
+          <a:p>
+            <a:pPr marL="0" marR="0" lvl="0" indent="0" algn="l" defTabSz="914400" rtl="0" eaLnBrk="1" fontAlgn="auto" latinLnBrk="0" hangingPunct="1">
+              <a:lnSpc>
+                <a:spcPct val="100000"/>
+              </a:lnSpc>
+              <a:spcBef>
+                <a:spcPts val="0"/>
+              </a:spcBef>
+              <a:spcAft>
+                <a:spcPts val="0"/>
+              </a:spcAft>
+              <a:buClr>
+                <a:srgbClr val="000000"/>
+              </a:buClr>
+              <a:buSzPts val="1100"/>
+              <a:buFont typeface="Arial"/>
+              <a:buNone/>
+              <a:tabLst/>
+              <a:defRPr/>
+            </a:pPr>
+            <a:endParaRPr lang="en-US" sz="1800" kern="0" dirty="0">
+              <a:effectLst/>
+              <a:latin typeface="+mj-lt"/>
               <a:ea typeface="Times New Roman" panose="02020603050405020304" pitchFamily="18" charset="0"/>
               <a:cs typeface="Arial" panose="020B0604020202020204" pitchFamily="34" charset="0"/>
             </a:endParaRPr>
@@ -1526,6 +1886,60 @@
           </a:bodyPr>
           <a:lstStyle/>
           <a:p>
+            <a:pPr marL="158750" indent="0" algn="l">
+              <a:buNone/>
+            </a:pPr>
+            <a:r>
+              <a:rPr lang="en-US" sz="3200" b="0" i="0" dirty="0">
+                <a:solidFill>
+                  <a:srgbClr val="222222"/>
+                </a:solidFill>
+                <a:effectLst/>
+                <a:latin typeface="+mj-lt"/>
+              </a:rPr>
+              <a:t>Tasks:</a:t>
+            </a:r>
+          </a:p>
+          <a:p>
+            <a:pPr algn="l"/>
+            <a:r>
+              <a:rPr lang="en-US" sz="3200" b="0" i="0" dirty="0">
+                <a:solidFill>
+                  <a:srgbClr val="222222"/>
+                </a:solidFill>
+                <a:effectLst/>
+                <a:latin typeface="+mj-lt"/>
+              </a:rPr>
+              <a:t>1. Organize and structure the data for analysis.</a:t>
+            </a:r>
+          </a:p>
+          <a:p>
+            <a:pPr algn="l"/>
+            <a:r>
+              <a:rPr lang="en-US" sz="3200" b="0" i="0" dirty="0">
+                <a:solidFill>
+                  <a:srgbClr val="222222"/>
+                </a:solidFill>
+                <a:effectLst/>
+                <a:latin typeface="+mj-lt"/>
+              </a:rPr>
+              <a:t>2. Perform qualitative analysis, statistical analysis, or machine learning algorithms to extract patterns, trends, or insights from the data.</a:t>
+            </a:r>
+          </a:p>
+          <a:p>
+            <a:pPr algn="l"/>
+            <a:r>
+              <a:rPr lang="en-US" sz="3200" b="0" i="0" dirty="0">
+                <a:solidFill>
+                  <a:srgbClr val="222222"/>
+                </a:solidFill>
+                <a:effectLst/>
+                <a:latin typeface="+mj-lt"/>
+              </a:rPr>
+              <a:t>3. Interpret the analysis results in the context of the customer problems.</a:t>
+            </a:r>
+          </a:p>
+          <a:p>
             <a:pPr marL="0" marR="0" lvl="0" indent="0" algn="l" defTabSz="914400" rtl="0" eaLnBrk="1" fontAlgn="auto" latinLnBrk="0" hangingPunct="1">
               <a:lnSpc>
                 <a:spcPct val="100000"/>
@@ -1547,7 +1961,103 @@
             </a:pPr>
             <a:endParaRPr lang="en-US" sz="1800" kern="0" dirty="0">
               <a:effectLst/>
-              <a:latin typeface="Times New Roman" panose="02020603050405020304" pitchFamily="18" charset="0"/>
+              <a:latin typeface="+mj-lt"/>
+              <a:ea typeface="Times New Roman" panose="02020603050405020304" pitchFamily="18" charset="0"/>
+              <a:cs typeface="Arial" panose="020B0604020202020204" pitchFamily="34" charset="0"/>
+            </a:endParaRPr>
+          </a:p>
+          <a:p>
+            <a:pPr marL="0" marR="0" lvl="0" indent="0" algn="l" defTabSz="914400" rtl="0" eaLnBrk="1" fontAlgn="auto" latinLnBrk="0" hangingPunct="1">
+              <a:lnSpc>
+                <a:spcPct val="100000"/>
+              </a:lnSpc>
+              <a:spcBef>
+                <a:spcPts val="0"/>
+              </a:spcBef>
+              <a:spcAft>
+                <a:spcPts val="0"/>
+              </a:spcAft>
+              <a:buClr>
+                <a:srgbClr val="000000"/>
+              </a:buClr>
+              <a:buSzPts val="1100"/>
+              <a:buFont typeface="Arial"/>
+              <a:buNone/>
+              <a:tabLst/>
+              <a:defRPr/>
+            </a:pPr>
+            <a:r>
+              <a:rPr lang="en-US" sz="1800" kern="0" dirty="0">
+                <a:effectLst/>
+                <a:latin typeface="+mj-lt"/>
+                <a:ea typeface="Times New Roman" panose="02020603050405020304" pitchFamily="18" charset="0"/>
+                <a:cs typeface="Arial" panose="020B0604020202020204" pitchFamily="34" charset="0"/>
+              </a:rPr>
+              <a:t>Rubric</a:t>
+            </a:r>
+          </a:p>
+          <a:p>
+            <a:pPr algn="l"/>
+            <a:r>
+              <a:rPr lang="en-US" sz="3200" b="0" i="0" dirty="0">
+                <a:solidFill>
+                  <a:srgbClr val="222222"/>
+                </a:solidFill>
+                <a:effectLst/>
+                <a:latin typeface="+mj-lt"/>
+              </a:rPr>
+              <a:t>1. Organization and structuring of the data for analysis (10 points)</a:t>
+            </a:r>
+          </a:p>
+          <a:p>
+            <a:pPr algn="l"/>
+            <a:r>
+              <a:rPr lang="en-US" sz="3200" b="0" i="0" dirty="0">
+                <a:solidFill>
+                  <a:srgbClr val="222222"/>
+                </a:solidFill>
+                <a:effectLst/>
+                <a:latin typeface="+mj-lt"/>
+              </a:rPr>
+              <a:t>2. Appropriateness and execution of analysis methods used - qualitative, statistical, or machine learning (10 points)</a:t>
+            </a:r>
+          </a:p>
+          <a:p>
+            <a:pPr algn="l"/>
+            <a:r>
+              <a:rPr lang="en-US" sz="3200" b="0" i="0" dirty="0">
+                <a:solidFill>
+                  <a:srgbClr val="222222"/>
+                </a:solidFill>
+                <a:effectLst/>
+                <a:latin typeface="+mj-lt"/>
+              </a:rPr>
+              <a:t>3. Insightfulness of the interpretation of analysis results (10 points)</a:t>
+            </a:r>
+          </a:p>
+          <a:p>
+            <a:pPr marL="0" marR="0" lvl="0" indent="0" algn="l" defTabSz="914400" rtl="0" eaLnBrk="1" fontAlgn="auto" latinLnBrk="0" hangingPunct="1">
+              <a:lnSpc>
+                <a:spcPct val="100000"/>
+              </a:lnSpc>
+              <a:spcBef>
+                <a:spcPts val="0"/>
+              </a:spcBef>
+              <a:spcAft>
+                <a:spcPts val="0"/>
+              </a:spcAft>
+              <a:buClr>
+                <a:srgbClr val="000000"/>
+              </a:buClr>
+              <a:buSzPts val="1100"/>
+              <a:buFont typeface="Arial"/>
+              <a:buNone/>
+              <a:tabLst/>
+              <a:defRPr/>
+            </a:pPr>
+            <a:endParaRPr lang="en-US" sz="1800" kern="0" dirty="0">
+              <a:effectLst/>
+              <a:latin typeface="+mj-lt"/>
               <a:ea typeface="Times New Roman" panose="02020603050405020304" pitchFamily="18" charset="0"/>
               <a:cs typeface="Arial" panose="020B0604020202020204" pitchFamily="34" charset="0"/>
             </a:endParaRPr>
